--- a/Lectures/03_paskaita (Boolean,data, laikas, išimtys).pptx
+++ b/Lectures/03_paskaita (Boolean,data, laikas, išimtys).pptx
@@ -28533,7 +28533,7 @@
         </p:spPr>
         <p:txBody>
           <a:bodyPr lIns="45720" rIns="45720">
-            <a:normAutofit fontScale="75500" lnSpcReduction="20000"/>
+            <a:normAutofit fontScale="83000" lnSpcReduction="20000"/>
           </a:bodyPr>
           <a:lstStyle/>
           <a:p>
@@ -33680,7 +33680,7 @@
         </p:nvSpPr>
         <p:spPr>
           <a:xfrm>
-            <a:off x="3281760" y="1821960"/>
+            <a:off x="3282360" y="2555038"/>
             <a:ext cx="3750480" cy="329400"/>
           </a:xfrm>
           <a:prstGeom prst="rect">
@@ -33706,16 +33706,36 @@
               </a:spcBef>
             </a:pPr>
             <a:r>
-              <a:rPr lang="lt-LT" sz="1600" b="1" strike="noStrike" spc="-1">
+              <a:rPr lang="lt-LT" sz="1600" b="1" strike="noStrike" spc="-1" dirty="0" err="1">
                 <a:solidFill>
                   <a:srgbClr val="000000"/>
                 </a:solidFill>
                 <a:latin typeface="Arial"/>
                 <a:ea typeface="Arial"/>
               </a:rPr>
-              <a:t>Exception list</a:t>
-            </a:r>
-            <a:endParaRPr lang="lt-LT" sz="1600" b="0" strike="noStrike" spc="-1">
+              <a:t>Exception</a:t>
+            </a:r>
+            <a:r>
+              <a:rPr lang="lt-LT" sz="1600" b="1" strike="noStrike" spc="-1" dirty="0">
+                <a:solidFill>
+                  <a:srgbClr val="000000"/>
+                </a:solidFill>
+                <a:latin typeface="Arial"/>
+                <a:ea typeface="Arial"/>
+              </a:rPr>
+              <a:t> </a:t>
+            </a:r>
+            <a:r>
+              <a:rPr lang="lt-LT" sz="1600" b="1" strike="noStrike" spc="-1" dirty="0" err="1">
+                <a:solidFill>
+                  <a:srgbClr val="000000"/>
+                </a:solidFill>
+                <a:latin typeface="Arial"/>
+                <a:ea typeface="Arial"/>
+              </a:rPr>
+              <a:t>list</a:t>
+            </a:r>
+            <a:endParaRPr lang="lt-LT" sz="1600" b="0" strike="noStrike" spc="-1" dirty="0">
               <a:solidFill>
                 <a:srgbClr val="000000"/>
               </a:solidFill>
@@ -33732,7 +33752,7 @@
         </p:nvSpPr>
         <p:spPr>
           <a:xfrm>
-            <a:off x="3281760" y="2171520"/>
+            <a:off x="3282360" y="2904598"/>
             <a:ext cx="3750480" cy="504000"/>
           </a:xfrm>
           <a:prstGeom prst="rect">
@@ -33758,7 +33778,7 @@
               </a:spcBef>
             </a:pPr>
             <a:r>
-              <a:rPr lang="lt-LT" sz="1600" b="0" strike="noStrike" spc="-1">
+              <a:rPr lang="lt-LT" sz="1600" b="0" strike="noStrike" spc="-1" dirty="0">
                 <a:solidFill>
                   <a:srgbClr val="000000"/>
                 </a:solidFill>
@@ -33767,7 +33787,7 @@
               </a:rPr>
               <a:t>Galimų klaidų sąrašas</a:t>
             </a:r>
-            <a:endParaRPr lang="lt-LT" sz="1600" b="0" strike="noStrike" spc="-1">
+            <a:endParaRPr lang="lt-LT" sz="1600" b="0" strike="noStrike" spc="-1" dirty="0">
               <a:solidFill>
                 <a:srgbClr val="000000"/>
               </a:solidFill>
@@ -33833,7 +33853,7 @@
         </p:nvSpPr>
         <p:spPr>
           <a:xfrm>
-            <a:off x="7503480" y="1821960"/>
+            <a:off x="7504080" y="2555038"/>
             <a:ext cx="4207680" cy="790920"/>
           </a:xfrm>
           <a:prstGeom prst="rect">
@@ -33887,7 +33907,7 @@
         </p:nvSpPr>
         <p:spPr>
           <a:xfrm>
-            <a:off x="3276000" y="2736360"/>
+            <a:off x="3276600" y="3469438"/>
             <a:ext cx="3750480" cy="329400"/>
           </a:xfrm>
           <a:prstGeom prst="rect">
@@ -33948,7 +33968,7 @@
         </p:nvSpPr>
         <p:spPr>
           <a:xfrm>
-            <a:off x="3276000" y="3085920"/>
+            <a:off x="3276600" y="3818998"/>
             <a:ext cx="3750480" cy="504000"/>
           </a:xfrm>
           <a:prstGeom prst="rect">
@@ -34009,7 +34029,7 @@
         </p:nvSpPr>
         <p:spPr>
           <a:xfrm>
-            <a:off x="7497720" y="2736360"/>
+            <a:off x="7498320" y="3469438"/>
             <a:ext cx="4207680" cy="790920"/>
           </a:xfrm>
           <a:prstGeom prst="rect">
@@ -34072,7 +34092,7 @@
         </p:nvSpPr>
         <p:spPr>
           <a:xfrm>
-            <a:off x="3261600" y="3699360"/>
+            <a:off x="3262200" y="4432438"/>
             <a:ext cx="3750480" cy="329400"/>
           </a:xfrm>
           <a:prstGeom prst="rect">
@@ -34133,7 +34153,7 @@
         </p:nvSpPr>
         <p:spPr>
           <a:xfrm>
-            <a:off x="3261600" y="4049280"/>
+            <a:off x="3262200" y="4782358"/>
             <a:ext cx="3750480" cy="504000"/>
           </a:xfrm>
           <a:prstGeom prst="rect">
@@ -34194,7 +34214,7 @@
         </p:nvSpPr>
         <p:spPr>
           <a:xfrm>
-            <a:off x="7483320" y="3699360"/>
+            <a:off x="7483920" y="4432438"/>
             <a:ext cx="4207680" cy="790920"/>
           </a:xfrm>
           <a:prstGeom prst="rect">
@@ -34244,6 +34264,252 @@
               <a:t>https://www.w3schools.com/python/python_booleans.asp</a:t>
             </a:r>
             <a:endParaRPr lang="lt-LT" sz="1600" b="0" strike="noStrike" spc="-1">
+              <a:latin typeface="Arial"/>
+            </a:endParaRPr>
+          </a:p>
+        </p:txBody>
+      </p:sp>
+      <p:sp>
+        <p:nvSpPr>
+          <p:cNvPr id="4" name="TextShape 5">
+            <a:extLst>
+              <a:ext uri="{FF2B5EF4-FFF2-40B4-BE49-F238E27FC236}">
+                <a16:creationId xmlns:a16="http://schemas.microsoft.com/office/drawing/2014/main" id="{C9546C22-84AB-3B5C-B352-D7BAADA50E01}"/>
+              </a:ext>
+            </a:extLst>
+          </p:cNvPr>
+          <p:cNvSpPr txBox="1"/>
+          <p:nvPr/>
+        </p:nvSpPr>
+        <p:spPr>
+          <a:xfrm>
+            <a:off x="7497720" y="1734539"/>
+            <a:ext cx="4193280" cy="790920"/>
+          </a:xfrm>
+          <a:prstGeom prst="rect">
+            <a:avLst/>
+          </a:prstGeom>
+          <a:noFill/>
+          <a:ln w="12600">
+            <a:noFill/>
+          </a:ln>
+        </p:spPr>
+        <p:txBody>
+          <a:bodyPr lIns="45720" tIns="45000" rIns="45720" bIns="45000">
+            <a:noAutofit/>
+          </a:bodyPr>
+          <a:lstStyle/>
+          <a:p>
+            <a:pPr>
+              <a:lnSpc>
+                <a:spcPct val="90000"/>
+              </a:lnSpc>
+              <a:spcBef>
+                <a:spcPts val="1001"/>
+              </a:spcBef>
+            </a:pPr>
+            <a:r>
+              <a:rPr lang="lt-LT" sz="1600" b="1" u="sng" strike="noStrike" spc="-1" dirty="0">
+                <a:solidFill>
+                  <a:srgbClr val="0000FF"/>
+                </a:solidFill>
+                <a:uFillTx/>
+                <a:latin typeface="Arial"/>
+                <a:ea typeface="Arial"/>
+              </a:rPr>
+              <a:t>https://</a:t>
+            </a:r>
+            <a:r>
+              <a:rPr lang="lt-LT" sz="1600" b="1" u="sng" strike="noStrike" spc="-1" dirty="0" err="1">
+                <a:solidFill>
+                  <a:srgbClr val="0000FF"/>
+                </a:solidFill>
+                <a:uFillTx/>
+                <a:latin typeface="Arial"/>
+                <a:ea typeface="Arial"/>
+              </a:rPr>
+              <a:t>github.com</a:t>
+            </a:r>
+            <a:r>
+              <a:rPr lang="lt-LT" sz="1600" b="1" u="sng" strike="noStrike" spc="-1" dirty="0">
+                <a:solidFill>
+                  <a:srgbClr val="0000FF"/>
+                </a:solidFill>
+                <a:uFillTx/>
+                <a:latin typeface="Arial"/>
+                <a:ea typeface="Arial"/>
+              </a:rPr>
+              <a:t>/aurimas13/</a:t>
+            </a:r>
+            <a:r>
+              <a:rPr lang="lt-LT" sz="1600" b="1" u="sng" strike="noStrike" spc="-1" dirty="0" err="1">
+                <a:solidFill>
+                  <a:srgbClr val="0000FF"/>
+                </a:solidFill>
+                <a:uFillTx/>
+                <a:latin typeface="Arial"/>
+                <a:ea typeface="Arial"/>
+              </a:rPr>
+              <a:t>Python-Beginner-Course</a:t>
+            </a:r>
+            <a:r>
+              <a:rPr lang="lt-LT" sz="1600" b="1" u="sng" strike="noStrike" spc="-1" dirty="0">
+                <a:solidFill>
+                  <a:srgbClr val="0000FF"/>
+                </a:solidFill>
+                <a:uFillTx/>
+                <a:latin typeface="Arial"/>
+                <a:ea typeface="Arial"/>
+              </a:rPr>
+              <a:t>/</a:t>
+            </a:r>
+            <a:r>
+              <a:rPr lang="lt-LT" sz="1600" b="1" u="sng" strike="noStrike" spc="-1" dirty="0" err="1">
+                <a:solidFill>
+                  <a:srgbClr val="0000FF"/>
+                </a:solidFill>
+                <a:uFillTx/>
+                <a:latin typeface="Arial"/>
+                <a:ea typeface="Arial"/>
+              </a:rPr>
+              <a:t>tree</a:t>
+            </a:r>
+            <a:r>
+              <a:rPr lang="lt-LT" sz="1600" b="1" u="sng" strike="noStrike" spc="-1" dirty="0">
+                <a:solidFill>
+                  <a:srgbClr val="0000FF"/>
+                </a:solidFill>
+                <a:uFillTx/>
+                <a:latin typeface="Arial"/>
+                <a:ea typeface="Arial"/>
+              </a:rPr>
+              <a:t>/</a:t>
+            </a:r>
+            <a:r>
+              <a:rPr lang="lt-LT" sz="1600" b="1" u="sng" strike="noStrike" spc="-1" dirty="0" err="1">
+                <a:solidFill>
+                  <a:srgbClr val="0000FF"/>
+                </a:solidFill>
+                <a:uFillTx/>
+                <a:latin typeface="Arial"/>
+                <a:ea typeface="Arial"/>
+              </a:rPr>
+              <a:t>main</a:t>
+            </a:r>
+            <a:r>
+              <a:rPr lang="lt-LT" sz="1600" b="1" u="sng" strike="noStrike" spc="-1" dirty="0">
+                <a:solidFill>
+                  <a:srgbClr val="0000FF"/>
+                </a:solidFill>
+                <a:uFillTx/>
+                <a:latin typeface="Arial"/>
+                <a:ea typeface="Arial"/>
+              </a:rPr>
+              <a:t>/</a:t>
+            </a:r>
+            <a:r>
+              <a:rPr lang="lt-LT" sz="1600" b="1" u="sng" strike="noStrike" spc="-1" dirty="0" err="1">
+                <a:solidFill>
+                  <a:srgbClr val="0000FF"/>
+                </a:solidFill>
+                <a:uFillTx/>
+                <a:latin typeface="Arial"/>
+                <a:ea typeface="Arial"/>
+              </a:rPr>
+              <a:t>Programs</a:t>
+            </a:r>
+            <a:endParaRPr lang="lt-LT" sz="1600" b="0" strike="noStrike" spc="-1" dirty="0">
+              <a:solidFill>
+                <a:srgbClr val="000000"/>
+              </a:solidFill>
+              <a:latin typeface="Arial"/>
+            </a:endParaRPr>
+          </a:p>
+        </p:txBody>
+      </p:sp>
+      <p:sp>
+        <p:nvSpPr>
+          <p:cNvPr id="5" name="TextShape 2">
+            <a:extLst>
+              <a:ext uri="{FF2B5EF4-FFF2-40B4-BE49-F238E27FC236}">
+                <a16:creationId xmlns:a16="http://schemas.microsoft.com/office/drawing/2014/main" id="{F98692C7-CBE8-2237-7412-4DE9596DAD8C}"/>
+              </a:ext>
+            </a:extLst>
+          </p:cNvPr>
+          <p:cNvSpPr txBox="1"/>
+          <p:nvPr/>
+        </p:nvSpPr>
+        <p:spPr>
+          <a:xfrm>
+            <a:off x="3261600" y="1734539"/>
+            <a:ext cx="3750480" cy="663420"/>
+          </a:xfrm>
+          <a:prstGeom prst="rect">
+            <a:avLst/>
+          </a:prstGeom>
+          <a:noFill/>
+          <a:ln w="12600">
+            <a:noFill/>
+          </a:ln>
+        </p:spPr>
+        <p:txBody>
+          <a:bodyPr lIns="45720" tIns="45000" rIns="45720" bIns="45000">
+            <a:noAutofit/>
+          </a:bodyPr>
+          <a:lstStyle/>
+          <a:p>
+            <a:pPr>
+              <a:lnSpc>
+                <a:spcPct val="90000"/>
+              </a:lnSpc>
+              <a:spcBef>
+                <a:spcPts val="1001"/>
+              </a:spcBef>
+            </a:pPr>
+            <a:r>
+              <a:rPr lang="lt-LT" sz="1600" b="1" strike="noStrike" spc="-1" dirty="0">
+                <a:solidFill>
+                  <a:srgbClr val="000000"/>
+                </a:solidFill>
+                <a:latin typeface="Arial"/>
+                <a:ea typeface="Arial"/>
+              </a:rPr>
+              <a:t>Išspręsti paskaitos uždaviniai </a:t>
+            </a:r>
+            <a:r>
+              <a:rPr lang="lt-LT" sz="1600" strike="noStrike" spc="-1" dirty="0">
+                <a:solidFill>
+                  <a:srgbClr val="000000"/>
+                </a:solidFill>
+                <a:latin typeface="Arial"/>
+                <a:ea typeface="Arial"/>
+              </a:rPr>
+              <a:t>(</a:t>
+            </a:r>
+            <a:r>
+              <a:rPr lang="lt-LT" sz="1600" strike="noStrike" spc="-1">
+                <a:solidFill>
+                  <a:srgbClr val="000000"/>
+                </a:solidFill>
+                <a:latin typeface="Arial"/>
+                <a:ea typeface="Arial"/>
+              </a:rPr>
+              <a:t>įkelti </a:t>
+            </a:r>
+            <a:r>
+              <a:rPr lang="lt-LT" sz="1600" spc="-1">
+                <a:solidFill>
+                  <a:srgbClr val="000000"/>
+                </a:solidFill>
+                <a:latin typeface="Arial"/>
+                <a:ea typeface="Arial"/>
+              </a:rPr>
+              <a:t>ketvirtadienį)</a:t>
+            </a:r>
+            <a:endParaRPr lang="lt-LT" sz="1600" strike="noStrike" spc="-1" dirty="0">
+              <a:solidFill>
+                <a:srgbClr val="000000"/>
+              </a:solidFill>
               <a:latin typeface="Arial"/>
             </a:endParaRPr>
           </a:p>
